--- a/Diagrams.pptx
+++ b/Diagrams.pptx
@@ -11,6 +11,8 @@
     <p:sldId id="259" r:id="rId5"/>
     <p:sldId id="260" r:id="rId6"/>
     <p:sldId id="261" r:id="rId7"/>
+    <p:sldId id="263" r:id="rId8"/>
+    <p:sldId id="262" r:id="rId9"/>
   </p:sldIdLst>
   <p:sldSz cx="12192000" cy="6858000"/>
   <p:notesSz cx="6858000" cy="9144000"/>
@@ -248,7 +250,7 @@
           <a:p>
             <a:fld id="{BB476F1F-1DA7-481F-89E6-3B830B49D5E4}" type="datetimeFigureOut">
               <a:rPr lang="en-MY" smtClean="0"/>
-              <a:t>25/10/2018</a:t>
+              <a:t>26/10/2018</a:t>
             </a:fld>
             <a:endParaRPr lang="en-MY"/>
           </a:p>
@@ -418,7 +420,7 @@
           <a:p>
             <a:fld id="{BB476F1F-1DA7-481F-89E6-3B830B49D5E4}" type="datetimeFigureOut">
               <a:rPr lang="en-MY" smtClean="0"/>
-              <a:t>25/10/2018</a:t>
+              <a:t>26/10/2018</a:t>
             </a:fld>
             <a:endParaRPr lang="en-MY"/>
           </a:p>
@@ -598,7 +600,7 @@
           <a:p>
             <a:fld id="{BB476F1F-1DA7-481F-89E6-3B830B49D5E4}" type="datetimeFigureOut">
               <a:rPr lang="en-MY" smtClean="0"/>
-              <a:t>25/10/2018</a:t>
+              <a:t>26/10/2018</a:t>
             </a:fld>
             <a:endParaRPr lang="en-MY"/>
           </a:p>
@@ -768,7 +770,7 @@
           <a:p>
             <a:fld id="{BB476F1F-1DA7-481F-89E6-3B830B49D5E4}" type="datetimeFigureOut">
               <a:rPr lang="en-MY" smtClean="0"/>
-              <a:t>25/10/2018</a:t>
+              <a:t>26/10/2018</a:t>
             </a:fld>
             <a:endParaRPr lang="en-MY"/>
           </a:p>
@@ -1014,7 +1016,7 @@
           <a:p>
             <a:fld id="{BB476F1F-1DA7-481F-89E6-3B830B49D5E4}" type="datetimeFigureOut">
               <a:rPr lang="en-MY" smtClean="0"/>
-              <a:t>25/10/2018</a:t>
+              <a:t>26/10/2018</a:t>
             </a:fld>
             <a:endParaRPr lang="en-MY"/>
           </a:p>
@@ -1246,7 +1248,7 @@
           <a:p>
             <a:fld id="{BB476F1F-1DA7-481F-89E6-3B830B49D5E4}" type="datetimeFigureOut">
               <a:rPr lang="en-MY" smtClean="0"/>
-              <a:t>25/10/2018</a:t>
+              <a:t>26/10/2018</a:t>
             </a:fld>
             <a:endParaRPr lang="en-MY"/>
           </a:p>
@@ -1613,7 +1615,7 @@
           <a:p>
             <a:fld id="{BB476F1F-1DA7-481F-89E6-3B830B49D5E4}" type="datetimeFigureOut">
               <a:rPr lang="en-MY" smtClean="0"/>
-              <a:t>25/10/2018</a:t>
+              <a:t>26/10/2018</a:t>
             </a:fld>
             <a:endParaRPr lang="en-MY"/>
           </a:p>
@@ -1731,7 +1733,7 @@
           <a:p>
             <a:fld id="{BB476F1F-1DA7-481F-89E6-3B830B49D5E4}" type="datetimeFigureOut">
               <a:rPr lang="en-MY" smtClean="0"/>
-              <a:t>25/10/2018</a:t>
+              <a:t>26/10/2018</a:t>
             </a:fld>
             <a:endParaRPr lang="en-MY"/>
           </a:p>
@@ -1826,7 +1828,7 @@
           <a:p>
             <a:fld id="{BB476F1F-1DA7-481F-89E6-3B830B49D5E4}" type="datetimeFigureOut">
               <a:rPr lang="en-MY" smtClean="0"/>
-              <a:t>25/10/2018</a:t>
+              <a:t>26/10/2018</a:t>
             </a:fld>
             <a:endParaRPr lang="en-MY"/>
           </a:p>
@@ -2103,7 +2105,7 @@
           <a:p>
             <a:fld id="{BB476F1F-1DA7-481F-89E6-3B830B49D5E4}" type="datetimeFigureOut">
               <a:rPr lang="en-MY" smtClean="0"/>
-              <a:t>25/10/2018</a:t>
+              <a:t>26/10/2018</a:t>
             </a:fld>
             <a:endParaRPr lang="en-MY"/>
           </a:p>
@@ -2356,7 +2358,7 @@
           <a:p>
             <a:fld id="{BB476F1F-1DA7-481F-89E6-3B830B49D5E4}" type="datetimeFigureOut">
               <a:rPr lang="en-MY" smtClean="0"/>
-              <a:t>25/10/2018</a:t>
+              <a:t>26/10/2018</a:t>
             </a:fld>
             <a:endParaRPr lang="en-MY"/>
           </a:p>
@@ -2569,7 +2571,7 @@
           <a:p>
             <a:fld id="{BB476F1F-1DA7-481F-89E6-3B830B49D5E4}" type="datetimeFigureOut">
               <a:rPr lang="en-MY" smtClean="0"/>
-              <a:t>25/10/2018</a:t>
+              <a:t>26/10/2018</a:t>
             </a:fld>
             <a:endParaRPr lang="en-MY"/>
           </a:p>
@@ -7364,6 +7366,1494 @@
 </p:sld>
 </file>
 
+<file path=ppt/slides/slide7.xml><?xml version="1.0" encoding="utf-8"?>
+<p:sld xmlns:a="http://schemas.openxmlformats.org/drawingml/2006/main" xmlns:r="http://schemas.openxmlformats.org/officeDocument/2006/relationships" xmlns:p="http://schemas.openxmlformats.org/presentationml/2006/main">
+  <p:cSld>
+    <p:spTree>
+      <p:nvGrpSpPr>
+        <p:cNvPr id="1" name=""/>
+        <p:cNvGrpSpPr/>
+        <p:nvPr/>
+      </p:nvGrpSpPr>
+      <p:grpSpPr>
+        <a:xfrm>
+          <a:off x="0" y="0"/>
+          <a:ext cx="0" cy="0"/>
+          <a:chOff x="0" y="0"/>
+          <a:chExt cx="0" cy="0"/>
+        </a:xfrm>
+      </p:grpSpPr>
+      <p:sp>
+        <p:nvSpPr>
+          <p:cNvPr id="4" name="Rectangle 3"/>
+          <p:cNvSpPr/>
+          <p:nvPr/>
+        </p:nvSpPr>
+        <p:spPr>
+          <a:xfrm>
+            <a:off x="1842121" y="2945041"/>
+            <a:ext cx="8617518" cy="1089890"/>
+          </a:xfrm>
+          <a:prstGeom prst="rect">
+            <a:avLst/>
+          </a:prstGeom>
+          <a:noFill/>
+          <a:ln>
+            <a:solidFill>
+              <a:schemeClr val="tx1"/>
+            </a:solidFill>
+          </a:ln>
+        </p:spPr>
+        <p:style>
+          <a:lnRef idx="2">
+            <a:schemeClr val="accent1">
+              <a:shade val="50000"/>
+            </a:schemeClr>
+          </a:lnRef>
+          <a:fillRef idx="1">
+            <a:schemeClr val="accent1"/>
+          </a:fillRef>
+          <a:effectRef idx="0">
+            <a:schemeClr val="accent1"/>
+          </a:effectRef>
+          <a:fontRef idx="minor">
+            <a:schemeClr val="lt1"/>
+          </a:fontRef>
+        </p:style>
+        <p:txBody>
+          <a:bodyPr rtlCol="0" anchor="ctr"/>
+          <a:lstStyle/>
+          <a:p>
+            <a:pPr algn="ctr"/>
+            <a:endParaRPr lang="en-MY"/>
+          </a:p>
+        </p:txBody>
+      </p:sp>
+      <p:cxnSp>
+        <p:nvCxnSpPr>
+          <p:cNvPr id="5" name="Straight Connector 4"/>
+          <p:cNvCxnSpPr/>
+          <p:nvPr/>
+        </p:nvCxnSpPr>
+        <p:spPr>
+          <a:xfrm>
+            <a:off x="2922775" y="2945041"/>
+            <a:ext cx="0" cy="1089890"/>
+          </a:xfrm>
+          <a:prstGeom prst="line">
+            <a:avLst/>
+          </a:prstGeom>
+          <a:ln>
+            <a:solidFill>
+              <a:schemeClr val="tx1"/>
+            </a:solidFill>
+          </a:ln>
+        </p:spPr>
+        <p:style>
+          <a:lnRef idx="1">
+            <a:schemeClr val="accent1"/>
+          </a:lnRef>
+          <a:fillRef idx="0">
+            <a:schemeClr val="accent1"/>
+          </a:fillRef>
+          <a:effectRef idx="0">
+            <a:schemeClr val="accent1"/>
+          </a:effectRef>
+          <a:fontRef idx="minor">
+            <a:schemeClr val="tx1"/>
+          </a:fontRef>
+        </p:style>
+      </p:cxnSp>
+      <p:sp>
+        <p:nvSpPr>
+          <p:cNvPr id="6" name="TextBox 5"/>
+          <p:cNvSpPr txBox="1"/>
+          <p:nvPr/>
+        </p:nvSpPr>
+        <p:spPr>
+          <a:xfrm>
+            <a:off x="1842120" y="2945041"/>
+            <a:ext cx="1078345" cy="1089890"/>
+          </a:xfrm>
+          <a:prstGeom prst="rect">
+            <a:avLst/>
+          </a:prstGeom>
+          <a:noFill/>
+        </p:spPr>
+        <p:txBody>
+          <a:bodyPr wrap="square" rtlCol="0" anchor="ctr">
+            <a:noAutofit/>
+          </a:bodyPr>
+          <a:lstStyle/>
+          <a:p>
+            <a:pPr algn="ctr"/>
+            <a:r>
+              <a:rPr lang="en-MY" sz="4400" dirty="0" smtClean="0">
+                <a:latin typeface="Bookman Old Style" panose="02050604050505020204" pitchFamily="18" charset="0"/>
+              </a:rPr>
+              <a:t>T1</a:t>
+            </a:r>
+            <a:endParaRPr lang="en-MY" sz="2800" dirty="0">
+              <a:latin typeface="Bookman Old Style" panose="02050604050505020204" pitchFamily="18" charset="0"/>
+            </a:endParaRPr>
+          </a:p>
+        </p:txBody>
+      </p:sp>
+      <p:cxnSp>
+        <p:nvCxnSpPr>
+          <p:cNvPr id="7" name="Straight Connector 6"/>
+          <p:cNvCxnSpPr/>
+          <p:nvPr/>
+        </p:nvCxnSpPr>
+        <p:spPr>
+          <a:xfrm>
+            <a:off x="4001120" y="2945041"/>
+            <a:ext cx="0" cy="1089890"/>
+          </a:xfrm>
+          <a:prstGeom prst="line">
+            <a:avLst/>
+          </a:prstGeom>
+          <a:ln>
+            <a:solidFill>
+              <a:schemeClr val="tx1"/>
+            </a:solidFill>
+          </a:ln>
+        </p:spPr>
+        <p:style>
+          <a:lnRef idx="1">
+            <a:schemeClr val="accent1"/>
+          </a:lnRef>
+          <a:fillRef idx="0">
+            <a:schemeClr val="accent1"/>
+          </a:fillRef>
+          <a:effectRef idx="0">
+            <a:schemeClr val="accent1"/>
+          </a:effectRef>
+          <a:fontRef idx="minor">
+            <a:schemeClr val="tx1"/>
+          </a:fontRef>
+        </p:style>
+      </p:cxnSp>
+      <p:sp>
+        <p:nvSpPr>
+          <p:cNvPr id="8" name="TextBox 7"/>
+          <p:cNvSpPr txBox="1"/>
+          <p:nvPr/>
+        </p:nvSpPr>
+        <p:spPr>
+          <a:xfrm>
+            <a:off x="2920465" y="2945041"/>
+            <a:ext cx="1078345" cy="1089890"/>
+          </a:xfrm>
+          <a:prstGeom prst="rect">
+            <a:avLst/>
+          </a:prstGeom>
+          <a:noFill/>
+        </p:spPr>
+        <p:txBody>
+          <a:bodyPr wrap="square" rtlCol="0" anchor="ctr">
+            <a:noAutofit/>
+          </a:bodyPr>
+          <a:lstStyle/>
+          <a:p>
+            <a:pPr algn="ctr"/>
+            <a:r>
+              <a:rPr lang="en-MY" sz="4400" dirty="0" smtClean="0">
+                <a:latin typeface="Bookman Old Style" panose="02050604050505020204" pitchFamily="18" charset="0"/>
+              </a:rPr>
+              <a:t>T2</a:t>
+            </a:r>
+            <a:endParaRPr lang="en-MY" sz="2800" dirty="0">
+              <a:latin typeface="Bookman Old Style" panose="02050604050505020204" pitchFamily="18" charset="0"/>
+            </a:endParaRPr>
+          </a:p>
+        </p:txBody>
+      </p:sp>
+      <p:cxnSp>
+        <p:nvCxnSpPr>
+          <p:cNvPr id="9" name="Straight Connector 8"/>
+          <p:cNvCxnSpPr/>
+          <p:nvPr/>
+        </p:nvCxnSpPr>
+        <p:spPr>
+          <a:xfrm>
+            <a:off x="5078310" y="2945041"/>
+            <a:ext cx="0" cy="1089890"/>
+          </a:xfrm>
+          <a:prstGeom prst="line">
+            <a:avLst/>
+          </a:prstGeom>
+          <a:ln>
+            <a:solidFill>
+              <a:schemeClr val="tx1"/>
+            </a:solidFill>
+          </a:ln>
+        </p:spPr>
+        <p:style>
+          <a:lnRef idx="1">
+            <a:schemeClr val="accent1"/>
+          </a:lnRef>
+          <a:fillRef idx="0">
+            <a:schemeClr val="accent1"/>
+          </a:fillRef>
+          <a:effectRef idx="0">
+            <a:schemeClr val="accent1"/>
+          </a:effectRef>
+          <a:fontRef idx="minor">
+            <a:schemeClr val="tx1"/>
+          </a:fontRef>
+        </p:style>
+      </p:cxnSp>
+      <p:sp>
+        <p:nvSpPr>
+          <p:cNvPr id="10" name="TextBox 9"/>
+          <p:cNvSpPr txBox="1"/>
+          <p:nvPr/>
+        </p:nvSpPr>
+        <p:spPr>
+          <a:xfrm>
+            <a:off x="3997655" y="2945041"/>
+            <a:ext cx="1078345" cy="1089890"/>
+          </a:xfrm>
+          <a:prstGeom prst="rect">
+            <a:avLst/>
+          </a:prstGeom>
+          <a:noFill/>
+        </p:spPr>
+        <p:txBody>
+          <a:bodyPr wrap="square" rtlCol="0" anchor="ctr">
+            <a:noAutofit/>
+          </a:bodyPr>
+          <a:lstStyle/>
+          <a:p>
+            <a:pPr algn="ctr"/>
+            <a:r>
+              <a:rPr lang="en-MY" sz="4400" dirty="0" smtClean="0">
+                <a:latin typeface="Bookman Old Style" panose="02050604050505020204" pitchFamily="18" charset="0"/>
+              </a:rPr>
+              <a:t>T3</a:t>
+            </a:r>
+            <a:endParaRPr lang="en-MY" sz="2800" dirty="0">
+              <a:latin typeface="Bookman Old Style" panose="02050604050505020204" pitchFamily="18" charset="0"/>
+            </a:endParaRPr>
+          </a:p>
+        </p:txBody>
+      </p:sp>
+      <p:cxnSp>
+        <p:nvCxnSpPr>
+          <p:cNvPr id="11" name="Straight Connector 10"/>
+          <p:cNvCxnSpPr/>
+          <p:nvPr/>
+        </p:nvCxnSpPr>
+        <p:spPr>
+          <a:xfrm>
+            <a:off x="6153189" y="2945041"/>
+            <a:ext cx="0" cy="1089890"/>
+          </a:xfrm>
+          <a:prstGeom prst="line">
+            <a:avLst/>
+          </a:prstGeom>
+          <a:ln>
+            <a:solidFill>
+              <a:schemeClr val="tx1"/>
+            </a:solidFill>
+          </a:ln>
+        </p:spPr>
+        <p:style>
+          <a:lnRef idx="1">
+            <a:schemeClr val="accent1"/>
+          </a:lnRef>
+          <a:fillRef idx="0">
+            <a:schemeClr val="accent1"/>
+          </a:fillRef>
+          <a:effectRef idx="0">
+            <a:schemeClr val="accent1"/>
+          </a:effectRef>
+          <a:fontRef idx="minor">
+            <a:schemeClr val="tx1"/>
+          </a:fontRef>
+        </p:style>
+      </p:cxnSp>
+      <p:sp>
+        <p:nvSpPr>
+          <p:cNvPr id="12" name="TextBox 11"/>
+          <p:cNvSpPr txBox="1"/>
+          <p:nvPr/>
+        </p:nvSpPr>
+        <p:spPr>
+          <a:xfrm>
+            <a:off x="5072534" y="2945041"/>
+            <a:ext cx="1078345" cy="1089890"/>
+          </a:xfrm>
+          <a:prstGeom prst="rect">
+            <a:avLst/>
+          </a:prstGeom>
+          <a:noFill/>
+        </p:spPr>
+        <p:txBody>
+          <a:bodyPr wrap="square" rtlCol="0" anchor="ctr">
+            <a:noAutofit/>
+          </a:bodyPr>
+          <a:lstStyle/>
+          <a:p>
+            <a:pPr algn="ctr"/>
+            <a:r>
+              <a:rPr lang="en-MY" sz="4400" dirty="0" smtClean="0">
+                <a:latin typeface="Bookman Old Style" panose="02050604050505020204" pitchFamily="18" charset="0"/>
+              </a:rPr>
+              <a:t>T4</a:t>
+            </a:r>
+            <a:endParaRPr lang="en-MY" sz="2800" dirty="0">
+              <a:latin typeface="Bookman Old Style" panose="02050604050505020204" pitchFamily="18" charset="0"/>
+            </a:endParaRPr>
+          </a:p>
+        </p:txBody>
+      </p:sp>
+      <p:cxnSp>
+        <p:nvCxnSpPr>
+          <p:cNvPr id="13" name="Straight Connector 12"/>
+          <p:cNvCxnSpPr/>
+          <p:nvPr/>
+        </p:nvCxnSpPr>
+        <p:spPr>
+          <a:xfrm>
+            <a:off x="7231534" y="2945041"/>
+            <a:ext cx="0" cy="1089890"/>
+          </a:xfrm>
+          <a:prstGeom prst="line">
+            <a:avLst/>
+          </a:prstGeom>
+          <a:ln>
+            <a:solidFill>
+              <a:schemeClr val="tx1"/>
+            </a:solidFill>
+          </a:ln>
+        </p:spPr>
+        <p:style>
+          <a:lnRef idx="1">
+            <a:schemeClr val="accent1"/>
+          </a:lnRef>
+          <a:fillRef idx="0">
+            <a:schemeClr val="accent1"/>
+          </a:fillRef>
+          <a:effectRef idx="0">
+            <a:schemeClr val="accent1"/>
+          </a:effectRef>
+          <a:fontRef idx="minor">
+            <a:schemeClr val="tx1"/>
+          </a:fontRef>
+        </p:style>
+      </p:cxnSp>
+      <p:sp>
+        <p:nvSpPr>
+          <p:cNvPr id="14" name="TextBox 13"/>
+          <p:cNvSpPr txBox="1"/>
+          <p:nvPr/>
+        </p:nvSpPr>
+        <p:spPr>
+          <a:xfrm>
+            <a:off x="6150879" y="2945041"/>
+            <a:ext cx="1078345" cy="1089890"/>
+          </a:xfrm>
+          <a:prstGeom prst="rect">
+            <a:avLst/>
+          </a:prstGeom>
+          <a:noFill/>
+        </p:spPr>
+        <p:txBody>
+          <a:bodyPr wrap="square" rtlCol="0" anchor="ctr">
+            <a:noAutofit/>
+          </a:bodyPr>
+          <a:lstStyle/>
+          <a:p>
+            <a:pPr algn="ctr"/>
+            <a:r>
+              <a:rPr lang="en-MY" sz="4400" dirty="0" smtClean="0">
+                <a:latin typeface="Bookman Old Style" panose="02050604050505020204" pitchFamily="18" charset="0"/>
+              </a:rPr>
+              <a:t>T5</a:t>
+            </a:r>
+            <a:endParaRPr lang="en-MY" sz="2800" dirty="0">
+              <a:latin typeface="Bookman Old Style" panose="02050604050505020204" pitchFamily="18" charset="0"/>
+            </a:endParaRPr>
+          </a:p>
+        </p:txBody>
+      </p:sp>
+      <p:cxnSp>
+        <p:nvCxnSpPr>
+          <p:cNvPr id="15" name="Straight Connector 14"/>
+          <p:cNvCxnSpPr/>
+          <p:nvPr/>
+        </p:nvCxnSpPr>
+        <p:spPr>
+          <a:xfrm>
+            <a:off x="8308724" y="2945041"/>
+            <a:ext cx="0" cy="1089890"/>
+          </a:xfrm>
+          <a:prstGeom prst="line">
+            <a:avLst/>
+          </a:prstGeom>
+          <a:ln>
+            <a:solidFill>
+              <a:schemeClr val="tx1"/>
+            </a:solidFill>
+          </a:ln>
+        </p:spPr>
+        <p:style>
+          <a:lnRef idx="1">
+            <a:schemeClr val="accent1"/>
+          </a:lnRef>
+          <a:fillRef idx="0">
+            <a:schemeClr val="accent1"/>
+          </a:fillRef>
+          <a:effectRef idx="0">
+            <a:schemeClr val="accent1"/>
+          </a:effectRef>
+          <a:fontRef idx="minor">
+            <a:schemeClr val="tx1"/>
+          </a:fontRef>
+        </p:style>
+      </p:cxnSp>
+      <p:sp>
+        <p:nvSpPr>
+          <p:cNvPr id="16" name="TextBox 15"/>
+          <p:cNvSpPr txBox="1"/>
+          <p:nvPr/>
+        </p:nvSpPr>
+        <p:spPr>
+          <a:xfrm>
+            <a:off x="7228069" y="2945041"/>
+            <a:ext cx="1078345" cy="1089890"/>
+          </a:xfrm>
+          <a:prstGeom prst="rect">
+            <a:avLst/>
+          </a:prstGeom>
+          <a:noFill/>
+        </p:spPr>
+        <p:txBody>
+          <a:bodyPr wrap="square" rtlCol="0" anchor="ctr">
+            <a:noAutofit/>
+          </a:bodyPr>
+          <a:lstStyle/>
+          <a:p>
+            <a:pPr algn="ctr"/>
+            <a:r>
+              <a:rPr lang="en-MY" sz="4400" dirty="0" smtClean="0">
+                <a:latin typeface="Bookman Old Style" panose="02050604050505020204" pitchFamily="18" charset="0"/>
+              </a:rPr>
+              <a:t>T6</a:t>
+            </a:r>
+            <a:endParaRPr lang="en-MY" sz="2800" dirty="0">
+              <a:latin typeface="Bookman Old Style" panose="02050604050505020204" pitchFamily="18" charset="0"/>
+            </a:endParaRPr>
+          </a:p>
+        </p:txBody>
+      </p:sp>
+      <p:cxnSp>
+        <p:nvCxnSpPr>
+          <p:cNvPr id="17" name="Straight Connector 16"/>
+          <p:cNvCxnSpPr/>
+          <p:nvPr/>
+        </p:nvCxnSpPr>
+        <p:spPr>
+          <a:xfrm>
+            <a:off x="9383603" y="2945041"/>
+            <a:ext cx="0" cy="1089890"/>
+          </a:xfrm>
+          <a:prstGeom prst="line">
+            <a:avLst/>
+          </a:prstGeom>
+          <a:ln>
+            <a:solidFill>
+              <a:schemeClr val="tx1"/>
+            </a:solidFill>
+          </a:ln>
+        </p:spPr>
+        <p:style>
+          <a:lnRef idx="1">
+            <a:schemeClr val="accent1"/>
+          </a:lnRef>
+          <a:fillRef idx="0">
+            <a:schemeClr val="accent1"/>
+          </a:fillRef>
+          <a:effectRef idx="0">
+            <a:schemeClr val="accent1"/>
+          </a:effectRef>
+          <a:fontRef idx="minor">
+            <a:schemeClr val="tx1"/>
+          </a:fontRef>
+        </p:style>
+      </p:cxnSp>
+      <p:sp>
+        <p:nvSpPr>
+          <p:cNvPr id="18" name="TextBox 17"/>
+          <p:cNvSpPr txBox="1"/>
+          <p:nvPr/>
+        </p:nvSpPr>
+        <p:spPr>
+          <a:xfrm>
+            <a:off x="8302948" y="2945041"/>
+            <a:ext cx="1078345" cy="1089890"/>
+          </a:xfrm>
+          <a:prstGeom prst="rect">
+            <a:avLst/>
+          </a:prstGeom>
+          <a:noFill/>
+        </p:spPr>
+        <p:txBody>
+          <a:bodyPr wrap="square" rtlCol="0" anchor="ctr">
+            <a:noAutofit/>
+          </a:bodyPr>
+          <a:lstStyle/>
+          <a:p>
+            <a:pPr algn="ctr"/>
+            <a:r>
+              <a:rPr lang="en-MY" sz="4400" dirty="0" smtClean="0">
+                <a:latin typeface="Bookman Old Style" panose="02050604050505020204" pitchFamily="18" charset="0"/>
+              </a:rPr>
+              <a:t>T7</a:t>
+            </a:r>
+            <a:endParaRPr lang="en-MY" sz="2800" dirty="0">
+              <a:latin typeface="Bookman Old Style" panose="02050604050505020204" pitchFamily="18" charset="0"/>
+            </a:endParaRPr>
+          </a:p>
+        </p:txBody>
+      </p:sp>
+      <p:cxnSp>
+        <p:nvCxnSpPr>
+          <p:cNvPr id="19" name="Straight Connector 18"/>
+          <p:cNvCxnSpPr/>
+          <p:nvPr/>
+        </p:nvCxnSpPr>
+        <p:spPr>
+          <a:xfrm>
+            <a:off x="10461948" y="2945041"/>
+            <a:ext cx="0" cy="1089890"/>
+          </a:xfrm>
+          <a:prstGeom prst="line">
+            <a:avLst/>
+          </a:prstGeom>
+          <a:ln>
+            <a:solidFill>
+              <a:schemeClr val="tx1"/>
+            </a:solidFill>
+          </a:ln>
+        </p:spPr>
+        <p:style>
+          <a:lnRef idx="1">
+            <a:schemeClr val="accent1"/>
+          </a:lnRef>
+          <a:fillRef idx="0">
+            <a:schemeClr val="accent1"/>
+          </a:fillRef>
+          <a:effectRef idx="0">
+            <a:schemeClr val="accent1"/>
+          </a:effectRef>
+          <a:fontRef idx="minor">
+            <a:schemeClr val="tx1"/>
+          </a:fontRef>
+        </p:style>
+      </p:cxnSp>
+      <p:sp>
+        <p:nvSpPr>
+          <p:cNvPr id="20" name="TextBox 19"/>
+          <p:cNvSpPr txBox="1"/>
+          <p:nvPr/>
+        </p:nvSpPr>
+        <p:spPr>
+          <a:xfrm>
+            <a:off x="9381293" y="2945041"/>
+            <a:ext cx="1078345" cy="1089890"/>
+          </a:xfrm>
+          <a:prstGeom prst="rect">
+            <a:avLst/>
+          </a:prstGeom>
+          <a:noFill/>
+        </p:spPr>
+        <p:txBody>
+          <a:bodyPr wrap="square" rtlCol="0" anchor="ctr">
+            <a:noAutofit/>
+          </a:bodyPr>
+          <a:lstStyle/>
+          <a:p>
+            <a:pPr algn="ctr"/>
+            <a:r>
+              <a:rPr lang="en-MY" sz="4400" dirty="0" smtClean="0">
+                <a:latin typeface="Bookman Old Style" panose="02050604050505020204" pitchFamily="18" charset="0"/>
+              </a:rPr>
+              <a:t>T8</a:t>
+            </a:r>
+            <a:endParaRPr lang="en-MY" sz="2800" dirty="0">
+              <a:latin typeface="Bookman Old Style" panose="02050604050505020204" pitchFamily="18" charset="0"/>
+            </a:endParaRPr>
+          </a:p>
+        </p:txBody>
+      </p:sp>
+      <p:cxnSp>
+        <p:nvCxnSpPr>
+          <p:cNvPr id="21" name="Straight Arrow Connector 20"/>
+          <p:cNvCxnSpPr/>
+          <p:nvPr/>
+        </p:nvCxnSpPr>
+        <p:spPr>
+          <a:xfrm flipH="1" flipV="1">
+            <a:off x="9889903" y="3906982"/>
+            <a:ext cx="464305" cy="858984"/>
+          </a:xfrm>
+          <a:prstGeom prst="straightConnector1">
+            <a:avLst/>
+          </a:prstGeom>
+          <a:ln w="57150">
+            <a:solidFill>
+              <a:schemeClr val="tx1"/>
+            </a:solidFill>
+            <a:tailEnd type="triangle"/>
+          </a:ln>
+        </p:spPr>
+        <p:style>
+          <a:lnRef idx="1">
+            <a:schemeClr val="accent1"/>
+          </a:lnRef>
+          <a:fillRef idx="0">
+            <a:schemeClr val="accent1"/>
+          </a:fillRef>
+          <a:effectRef idx="0">
+            <a:schemeClr val="accent1"/>
+          </a:effectRef>
+          <a:fontRef idx="minor">
+            <a:schemeClr val="tx1"/>
+          </a:fontRef>
+        </p:style>
+      </p:cxnSp>
+      <p:sp>
+        <p:nvSpPr>
+          <p:cNvPr id="22" name="TextBox 21"/>
+          <p:cNvSpPr txBox="1"/>
+          <p:nvPr/>
+        </p:nvSpPr>
+        <p:spPr>
+          <a:xfrm>
+            <a:off x="10021690" y="4765966"/>
+            <a:ext cx="770467" cy="523220"/>
+          </a:xfrm>
+          <a:prstGeom prst="rect">
+            <a:avLst/>
+          </a:prstGeom>
+          <a:noFill/>
+        </p:spPr>
+        <p:txBody>
+          <a:bodyPr wrap="none" rtlCol="0">
+            <a:spAutoFit/>
+          </a:bodyPr>
+          <a:lstStyle/>
+          <a:p>
+            <a:r>
+              <a:rPr lang="en-MY" sz="2800" b="1" dirty="0" smtClean="0">
+                <a:latin typeface="Times New Roman" panose="02020603050405020304" pitchFamily="18" charset="0"/>
+                <a:cs typeface="Times New Roman" panose="02020603050405020304" pitchFamily="18" charset="0"/>
+              </a:rPr>
+              <a:t>Top</a:t>
+            </a:r>
+            <a:endParaRPr lang="en-MY" sz="2800" b="1" dirty="0">
+              <a:latin typeface="Times New Roman" panose="02020603050405020304" pitchFamily="18" charset="0"/>
+              <a:cs typeface="Times New Roman" panose="02020603050405020304" pitchFamily="18" charset="0"/>
+            </a:endParaRPr>
+          </a:p>
+        </p:txBody>
+      </p:sp>
+    </p:spTree>
+    <p:extLst>
+      <p:ext uri="{BB962C8B-B14F-4D97-AF65-F5344CB8AC3E}">
+        <p14:creationId xmlns:p14="http://schemas.microsoft.com/office/powerpoint/2010/main" val="1832842526"/>
+      </p:ext>
+    </p:extLst>
+  </p:cSld>
+  <p:clrMapOvr>
+    <a:masterClrMapping/>
+  </p:clrMapOvr>
+</p:sld>
+</file>
+
+<file path=ppt/slides/slide8.xml><?xml version="1.0" encoding="utf-8"?>
+<p:sld xmlns:a="http://schemas.openxmlformats.org/drawingml/2006/main" xmlns:r="http://schemas.openxmlformats.org/officeDocument/2006/relationships" xmlns:p="http://schemas.openxmlformats.org/presentationml/2006/main">
+  <p:cSld>
+    <p:spTree>
+      <p:nvGrpSpPr>
+        <p:cNvPr id="1" name=""/>
+        <p:cNvGrpSpPr/>
+        <p:nvPr/>
+      </p:nvGrpSpPr>
+      <p:grpSpPr>
+        <a:xfrm>
+          <a:off x="0" y="0"/>
+          <a:ext cx="0" cy="0"/>
+          <a:chOff x="0" y="0"/>
+          <a:chExt cx="0" cy="0"/>
+        </a:xfrm>
+      </p:grpSpPr>
+      <p:sp>
+        <p:nvSpPr>
+          <p:cNvPr id="4" name="Rectangle 3"/>
+          <p:cNvSpPr/>
+          <p:nvPr/>
+        </p:nvSpPr>
+        <p:spPr>
+          <a:xfrm>
+            <a:off x="1842121" y="2945041"/>
+            <a:ext cx="8617518" cy="1089890"/>
+          </a:xfrm>
+          <a:prstGeom prst="rect">
+            <a:avLst/>
+          </a:prstGeom>
+          <a:noFill/>
+          <a:ln>
+            <a:solidFill>
+              <a:schemeClr val="tx1"/>
+            </a:solidFill>
+          </a:ln>
+        </p:spPr>
+        <p:style>
+          <a:lnRef idx="2">
+            <a:schemeClr val="accent1">
+              <a:shade val="50000"/>
+            </a:schemeClr>
+          </a:lnRef>
+          <a:fillRef idx="1">
+            <a:schemeClr val="accent1"/>
+          </a:fillRef>
+          <a:effectRef idx="0">
+            <a:schemeClr val="accent1"/>
+          </a:effectRef>
+          <a:fontRef idx="minor">
+            <a:schemeClr val="lt1"/>
+          </a:fontRef>
+        </p:style>
+        <p:txBody>
+          <a:bodyPr rtlCol="0" anchor="ctr"/>
+          <a:lstStyle/>
+          <a:p>
+            <a:pPr algn="ctr"/>
+            <a:endParaRPr lang="en-MY"/>
+          </a:p>
+        </p:txBody>
+      </p:sp>
+      <p:cxnSp>
+        <p:nvCxnSpPr>
+          <p:cNvPr id="5" name="Straight Connector 4"/>
+          <p:cNvCxnSpPr/>
+          <p:nvPr/>
+        </p:nvCxnSpPr>
+        <p:spPr>
+          <a:xfrm>
+            <a:off x="2922775" y="2945041"/>
+            <a:ext cx="0" cy="1089890"/>
+          </a:xfrm>
+          <a:prstGeom prst="line">
+            <a:avLst/>
+          </a:prstGeom>
+          <a:ln>
+            <a:solidFill>
+              <a:schemeClr val="tx1"/>
+            </a:solidFill>
+          </a:ln>
+        </p:spPr>
+        <p:style>
+          <a:lnRef idx="1">
+            <a:schemeClr val="accent1"/>
+          </a:lnRef>
+          <a:fillRef idx="0">
+            <a:schemeClr val="accent1"/>
+          </a:fillRef>
+          <a:effectRef idx="0">
+            <a:schemeClr val="accent1"/>
+          </a:effectRef>
+          <a:fontRef idx="minor">
+            <a:schemeClr val="tx1"/>
+          </a:fontRef>
+        </p:style>
+      </p:cxnSp>
+      <p:sp>
+        <p:nvSpPr>
+          <p:cNvPr id="6" name="TextBox 5"/>
+          <p:cNvSpPr txBox="1"/>
+          <p:nvPr/>
+        </p:nvSpPr>
+        <p:spPr>
+          <a:xfrm>
+            <a:off x="1842120" y="2945041"/>
+            <a:ext cx="1078345" cy="1089890"/>
+          </a:xfrm>
+          <a:prstGeom prst="rect">
+            <a:avLst/>
+          </a:prstGeom>
+          <a:noFill/>
+        </p:spPr>
+        <p:txBody>
+          <a:bodyPr wrap="square" rtlCol="0" anchor="ctr">
+            <a:noAutofit/>
+          </a:bodyPr>
+          <a:lstStyle/>
+          <a:p>
+            <a:pPr algn="ctr"/>
+            <a:r>
+              <a:rPr lang="en-MY" sz="4400" dirty="0" smtClean="0">
+                <a:latin typeface="Bookman Old Style" panose="02050604050505020204" pitchFamily="18" charset="0"/>
+              </a:rPr>
+              <a:t>T1</a:t>
+            </a:r>
+            <a:endParaRPr lang="en-MY" sz="2800" dirty="0">
+              <a:latin typeface="Bookman Old Style" panose="02050604050505020204" pitchFamily="18" charset="0"/>
+            </a:endParaRPr>
+          </a:p>
+        </p:txBody>
+      </p:sp>
+      <p:cxnSp>
+        <p:nvCxnSpPr>
+          <p:cNvPr id="7" name="Straight Connector 6"/>
+          <p:cNvCxnSpPr/>
+          <p:nvPr/>
+        </p:nvCxnSpPr>
+        <p:spPr>
+          <a:xfrm>
+            <a:off x="4001120" y="2945041"/>
+            <a:ext cx="0" cy="1089890"/>
+          </a:xfrm>
+          <a:prstGeom prst="line">
+            <a:avLst/>
+          </a:prstGeom>
+          <a:ln>
+            <a:solidFill>
+              <a:schemeClr val="tx1"/>
+            </a:solidFill>
+          </a:ln>
+        </p:spPr>
+        <p:style>
+          <a:lnRef idx="1">
+            <a:schemeClr val="accent1"/>
+          </a:lnRef>
+          <a:fillRef idx="0">
+            <a:schemeClr val="accent1"/>
+          </a:fillRef>
+          <a:effectRef idx="0">
+            <a:schemeClr val="accent1"/>
+          </a:effectRef>
+          <a:fontRef idx="minor">
+            <a:schemeClr val="tx1"/>
+          </a:fontRef>
+        </p:style>
+      </p:cxnSp>
+      <p:sp>
+        <p:nvSpPr>
+          <p:cNvPr id="8" name="TextBox 7"/>
+          <p:cNvSpPr txBox="1"/>
+          <p:nvPr/>
+        </p:nvSpPr>
+        <p:spPr>
+          <a:xfrm>
+            <a:off x="2920465" y="2945041"/>
+            <a:ext cx="1078345" cy="1089890"/>
+          </a:xfrm>
+          <a:prstGeom prst="rect">
+            <a:avLst/>
+          </a:prstGeom>
+          <a:noFill/>
+        </p:spPr>
+        <p:txBody>
+          <a:bodyPr wrap="square" rtlCol="0" anchor="ctr">
+            <a:noAutofit/>
+          </a:bodyPr>
+          <a:lstStyle/>
+          <a:p>
+            <a:pPr algn="ctr"/>
+            <a:r>
+              <a:rPr lang="en-MY" sz="4400" dirty="0" smtClean="0">
+                <a:latin typeface="Bookman Old Style" panose="02050604050505020204" pitchFamily="18" charset="0"/>
+              </a:rPr>
+              <a:t>T2</a:t>
+            </a:r>
+            <a:endParaRPr lang="en-MY" sz="2800" dirty="0">
+              <a:latin typeface="Bookman Old Style" panose="02050604050505020204" pitchFamily="18" charset="0"/>
+            </a:endParaRPr>
+          </a:p>
+        </p:txBody>
+      </p:sp>
+      <p:cxnSp>
+        <p:nvCxnSpPr>
+          <p:cNvPr id="9" name="Straight Connector 8"/>
+          <p:cNvCxnSpPr/>
+          <p:nvPr/>
+        </p:nvCxnSpPr>
+        <p:spPr>
+          <a:xfrm>
+            <a:off x="5078310" y="2945041"/>
+            <a:ext cx="0" cy="1089890"/>
+          </a:xfrm>
+          <a:prstGeom prst="line">
+            <a:avLst/>
+          </a:prstGeom>
+          <a:ln>
+            <a:solidFill>
+              <a:schemeClr val="tx1"/>
+            </a:solidFill>
+          </a:ln>
+        </p:spPr>
+        <p:style>
+          <a:lnRef idx="1">
+            <a:schemeClr val="accent1"/>
+          </a:lnRef>
+          <a:fillRef idx="0">
+            <a:schemeClr val="accent1"/>
+          </a:fillRef>
+          <a:effectRef idx="0">
+            <a:schemeClr val="accent1"/>
+          </a:effectRef>
+          <a:fontRef idx="minor">
+            <a:schemeClr val="tx1"/>
+          </a:fontRef>
+        </p:style>
+      </p:cxnSp>
+      <p:sp>
+        <p:nvSpPr>
+          <p:cNvPr id="10" name="TextBox 9"/>
+          <p:cNvSpPr txBox="1"/>
+          <p:nvPr/>
+        </p:nvSpPr>
+        <p:spPr>
+          <a:xfrm>
+            <a:off x="3997655" y="2945041"/>
+            <a:ext cx="1078345" cy="1089890"/>
+          </a:xfrm>
+          <a:prstGeom prst="rect">
+            <a:avLst/>
+          </a:prstGeom>
+          <a:noFill/>
+        </p:spPr>
+        <p:txBody>
+          <a:bodyPr wrap="square" rtlCol="0" anchor="ctr">
+            <a:noAutofit/>
+          </a:bodyPr>
+          <a:lstStyle/>
+          <a:p>
+            <a:pPr algn="ctr"/>
+            <a:r>
+              <a:rPr lang="en-MY" sz="4400" dirty="0" smtClean="0">
+                <a:latin typeface="Bookman Old Style" panose="02050604050505020204" pitchFamily="18" charset="0"/>
+              </a:rPr>
+              <a:t>T3</a:t>
+            </a:r>
+            <a:endParaRPr lang="en-MY" sz="2800" dirty="0">
+              <a:latin typeface="Bookman Old Style" panose="02050604050505020204" pitchFamily="18" charset="0"/>
+            </a:endParaRPr>
+          </a:p>
+        </p:txBody>
+      </p:sp>
+      <p:cxnSp>
+        <p:nvCxnSpPr>
+          <p:cNvPr id="11" name="Straight Connector 10"/>
+          <p:cNvCxnSpPr/>
+          <p:nvPr/>
+        </p:nvCxnSpPr>
+        <p:spPr>
+          <a:xfrm>
+            <a:off x="6153189" y="2945041"/>
+            <a:ext cx="0" cy="1089890"/>
+          </a:xfrm>
+          <a:prstGeom prst="line">
+            <a:avLst/>
+          </a:prstGeom>
+          <a:ln>
+            <a:solidFill>
+              <a:schemeClr val="tx1"/>
+            </a:solidFill>
+          </a:ln>
+        </p:spPr>
+        <p:style>
+          <a:lnRef idx="1">
+            <a:schemeClr val="accent1"/>
+          </a:lnRef>
+          <a:fillRef idx="0">
+            <a:schemeClr val="accent1"/>
+          </a:fillRef>
+          <a:effectRef idx="0">
+            <a:schemeClr val="accent1"/>
+          </a:effectRef>
+          <a:fontRef idx="minor">
+            <a:schemeClr val="tx1"/>
+          </a:fontRef>
+        </p:style>
+      </p:cxnSp>
+      <p:sp>
+        <p:nvSpPr>
+          <p:cNvPr id="12" name="TextBox 11"/>
+          <p:cNvSpPr txBox="1"/>
+          <p:nvPr/>
+        </p:nvSpPr>
+        <p:spPr>
+          <a:xfrm>
+            <a:off x="5072534" y="2945041"/>
+            <a:ext cx="1078345" cy="1089890"/>
+          </a:xfrm>
+          <a:prstGeom prst="rect">
+            <a:avLst/>
+          </a:prstGeom>
+          <a:noFill/>
+        </p:spPr>
+        <p:txBody>
+          <a:bodyPr wrap="square" rtlCol="0" anchor="ctr">
+            <a:noAutofit/>
+          </a:bodyPr>
+          <a:lstStyle/>
+          <a:p>
+            <a:pPr algn="ctr"/>
+            <a:r>
+              <a:rPr lang="en-MY" sz="4400" dirty="0" smtClean="0">
+                <a:latin typeface="Bookman Old Style" panose="02050604050505020204" pitchFamily="18" charset="0"/>
+              </a:rPr>
+              <a:t>T4</a:t>
+            </a:r>
+            <a:endParaRPr lang="en-MY" sz="2800" dirty="0">
+              <a:latin typeface="Bookman Old Style" panose="02050604050505020204" pitchFamily="18" charset="0"/>
+            </a:endParaRPr>
+          </a:p>
+        </p:txBody>
+      </p:sp>
+      <p:cxnSp>
+        <p:nvCxnSpPr>
+          <p:cNvPr id="13" name="Straight Connector 12"/>
+          <p:cNvCxnSpPr/>
+          <p:nvPr/>
+        </p:nvCxnSpPr>
+        <p:spPr>
+          <a:xfrm>
+            <a:off x="7231534" y="2945041"/>
+            <a:ext cx="0" cy="1089890"/>
+          </a:xfrm>
+          <a:prstGeom prst="line">
+            <a:avLst/>
+          </a:prstGeom>
+          <a:ln>
+            <a:solidFill>
+              <a:schemeClr val="tx1"/>
+            </a:solidFill>
+          </a:ln>
+        </p:spPr>
+        <p:style>
+          <a:lnRef idx="1">
+            <a:schemeClr val="accent1"/>
+          </a:lnRef>
+          <a:fillRef idx="0">
+            <a:schemeClr val="accent1"/>
+          </a:fillRef>
+          <a:effectRef idx="0">
+            <a:schemeClr val="accent1"/>
+          </a:effectRef>
+          <a:fontRef idx="minor">
+            <a:schemeClr val="tx1"/>
+          </a:fontRef>
+        </p:style>
+      </p:cxnSp>
+      <p:sp>
+        <p:nvSpPr>
+          <p:cNvPr id="14" name="TextBox 13"/>
+          <p:cNvSpPr txBox="1"/>
+          <p:nvPr/>
+        </p:nvSpPr>
+        <p:spPr>
+          <a:xfrm>
+            <a:off x="6150879" y="2945041"/>
+            <a:ext cx="1078345" cy="1089890"/>
+          </a:xfrm>
+          <a:prstGeom prst="rect">
+            <a:avLst/>
+          </a:prstGeom>
+          <a:noFill/>
+        </p:spPr>
+        <p:txBody>
+          <a:bodyPr wrap="square" rtlCol="0" anchor="ctr">
+            <a:noAutofit/>
+          </a:bodyPr>
+          <a:lstStyle/>
+          <a:p>
+            <a:pPr algn="ctr"/>
+            <a:r>
+              <a:rPr lang="en-MY" sz="4400" dirty="0" smtClean="0">
+                <a:latin typeface="Bookman Old Style" panose="02050604050505020204" pitchFamily="18" charset="0"/>
+              </a:rPr>
+              <a:t>T5</a:t>
+            </a:r>
+            <a:endParaRPr lang="en-MY" sz="2800" dirty="0">
+              <a:latin typeface="Bookman Old Style" panose="02050604050505020204" pitchFamily="18" charset="0"/>
+            </a:endParaRPr>
+          </a:p>
+        </p:txBody>
+      </p:sp>
+      <p:cxnSp>
+        <p:nvCxnSpPr>
+          <p:cNvPr id="15" name="Straight Connector 14"/>
+          <p:cNvCxnSpPr/>
+          <p:nvPr/>
+        </p:nvCxnSpPr>
+        <p:spPr>
+          <a:xfrm>
+            <a:off x="8308724" y="2945041"/>
+            <a:ext cx="0" cy="1089890"/>
+          </a:xfrm>
+          <a:prstGeom prst="line">
+            <a:avLst/>
+          </a:prstGeom>
+          <a:ln>
+            <a:solidFill>
+              <a:schemeClr val="tx1"/>
+            </a:solidFill>
+          </a:ln>
+        </p:spPr>
+        <p:style>
+          <a:lnRef idx="1">
+            <a:schemeClr val="accent1"/>
+          </a:lnRef>
+          <a:fillRef idx="0">
+            <a:schemeClr val="accent1"/>
+          </a:fillRef>
+          <a:effectRef idx="0">
+            <a:schemeClr val="accent1"/>
+          </a:effectRef>
+          <a:fontRef idx="minor">
+            <a:schemeClr val="tx1"/>
+          </a:fontRef>
+        </p:style>
+      </p:cxnSp>
+      <p:sp>
+        <p:nvSpPr>
+          <p:cNvPr id="16" name="TextBox 15"/>
+          <p:cNvSpPr txBox="1"/>
+          <p:nvPr/>
+        </p:nvSpPr>
+        <p:spPr>
+          <a:xfrm>
+            <a:off x="7228069" y="2945041"/>
+            <a:ext cx="1078345" cy="1089890"/>
+          </a:xfrm>
+          <a:prstGeom prst="rect">
+            <a:avLst/>
+          </a:prstGeom>
+          <a:noFill/>
+        </p:spPr>
+        <p:txBody>
+          <a:bodyPr wrap="square" rtlCol="0" anchor="ctr">
+            <a:noAutofit/>
+          </a:bodyPr>
+          <a:lstStyle/>
+          <a:p>
+            <a:pPr algn="ctr"/>
+            <a:r>
+              <a:rPr lang="en-MY" sz="4400" dirty="0" smtClean="0">
+                <a:latin typeface="Bookman Old Style" panose="02050604050505020204" pitchFamily="18" charset="0"/>
+              </a:rPr>
+              <a:t>T6</a:t>
+            </a:r>
+            <a:endParaRPr lang="en-MY" sz="2800" dirty="0">
+              <a:latin typeface="Bookman Old Style" panose="02050604050505020204" pitchFamily="18" charset="0"/>
+            </a:endParaRPr>
+          </a:p>
+        </p:txBody>
+      </p:sp>
+      <p:cxnSp>
+        <p:nvCxnSpPr>
+          <p:cNvPr id="17" name="Straight Connector 16"/>
+          <p:cNvCxnSpPr/>
+          <p:nvPr/>
+        </p:nvCxnSpPr>
+        <p:spPr>
+          <a:xfrm>
+            <a:off x="9383603" y="2945041"/>
+            <a:ext cx="0" cy="1089890"/>
+          </a:xfrm>
+          <a:prstGeom prst="line">
+            <a:avLst/>
+          </a:prstGeom>
+          <a:ln>
+            <a:solidFill>
+              <a:schemeClr val="tx1"/>
+            </a:solidFill>
+          </a:ln>
+        </p:spPr>
+        <p:style>
+          <a:lnRef idx="1">
+            <a:schemeClr val="accent1"/>
+          </a:lnRef>
+          <a:fillRef idx="0">
+            <a:schemeClr val="accent1"/>
+          </a:fillRef>
+          <a:effectRef idx="0">
+            <a:schemeClr val="accent1"/>
+          </a:effectRef>
+          <a:fontRef idx="minor">
+            <a:schemeClr val="tx1"/>
+          </a:fontRef>
+        </p:style>
+      </p:cxnSp>
+      <p:sp>
+        <p:nvSpPr>
+          <p:cNvPr id="18" name="TextBox 17"/>
+          <p:cNvSpPr txBox="1"/>
+          <p:nvPr/>
+        </p:nvSpPr>
+        <p:spPr>
+          <a:xfrm>
+            <a:off x="8302948" y="2945041"/>
+            <a:ext cx="1078345" cy="1089890"/>
+          </a:xfrm>
+          <a:prstGeom prst="rect">
+            <a:avLst/>
+          </a:prstGeom>
+          <a:noFill/>
+        </p:spPr>
+        <p:txBody>
+          <a:bodyPr wrap="square" rtlCol="0" anchor="ctr">
+            <a:noAutofit/>
+          </a:bodyPr>
+          <a:lstStyle/>
+          <a:p>
+            <a:pPr algn="ctr"/>
+            <a:r>
+              <a:rPr lang="en-MY" sz="4400" dirty="0" smtClean="0">
+                <a:latin typeface="Bookman Old Style" panose="02050604050505020204" pitchFamily="18" charset="0"/>
+              </a:rPr>
+              <a:t>T7</a:t>
+            </a:r>
+            <a:endParaRPr lang="en-MY" sz="2800" dirty="0">
+              <a:latin typeface="Bookman Old Style" panose="02050604050505020204" pitchFamily="18" charset="0"/>
+            </a:endParaRPr>
+          </a:p>
+        </p:txBody>
+      </p:sp>
+      <p:cxnSp>
+        <p:nvCxnSpPr>
+          <p:cNvPr id="19" name="Straight Connector 18"/>
+          <p:cNvCxnSpPr/>
+          <p:nvPr/>
+        </p:nvCxnSpPr>
+        <p:spPr>
+          <a:xfrm>
+            <a:off x="10461948" y="2945041"/>
+            <a:ext cx="0" cy="1089890"/>
+          </a:xfrm>
+          <a:prstGeom prst="line">
+            <a:avLst/>
+          </a:prstGeom>
+          <a:ln>
+            <a:solidFill>
+              <a:schemeClr val="tx1"/>
+            </a:solidFill>
+          </a:ln>
+        </p:spPr>
+        <p:style>
+          <a:lnRef idx="1">
+            <a:schemeClr val="accent1"/>
+          </a:lnRef>
+          <a:fillRef idx="0">
+            <a:schemeClr val="accent1"/>
+          </a:fillRef>
+          <a:effectRef idx="0">
+            <a:schemeClr val="accent1"/>
+          </a:effectRef>
+          <a:fontRef idx="minor">
+            <a:schemeClr val="tx1"/>
+          </a:fontRef>
+        </p:style>
+      </p:cxnSp>
+      <p:sp>
+        <p:nvSpPr>
+          <p:cNvPr id="20" name="TextBox 19"/>
+          <p:cNvSpPr txBox="1"/>
+          <p:nvPr/>
+        </p:nvSpPr>
+        <p:spPr>
+          <a:xfrm>
+            <a:off x="9381293" y="2945041"/>
+            <a:ext cx="1078345" cy="1089890"/>
+          </a:xfrm>
+          <a:prstGeom prst="rect">
+            <a:avLst/>
+          </a:prstGeom>
+          <a:noFill/>
+        </p:spPr>
+        <p:txBody>
+          <a:bodyPr wrap="square" rtlCol="0" anchor="ctr">
+            <a:noAutofit/>
+          </a:bodyPr>
+          <a:lstStyle/>
+          <a:p>
+            <a:pPr algn="ctr"/>
+            <a:r>
+              <a:rPr lang="en-MY" sz="4400" dirty="0" smtClean="0">
+                <a:latin typeface="Bookman Old Style" panose="02050604050505020204" pitchFamily="18" charset="0"/>
+              </a:rPr>
+              <a:t>T8</a:t>
+            </a:r>
+            <a:endParaRPr lang="en-MY" sz="2800" dirty="0">
+              <a:latin typeface="Bookman Old Style" panose="02050604050505020204" pitchFamily="18" charset="0"/>
+            </a:endParaRPr>
+          </a:p>
+        </p:txBody>
+      </p:sp>
+      <p:cxnSp>
+        <p:nvCxnSpPr>
+          <p:cNvPr id="21" name="Straight Arrow Connector 20"/>
+          <p:cNvCxnSpPr/>
+          <p:nvPr/>
+        </p:nvCxnSpPr>
+        <p:spPr>
+          <a:xfrm flipH="1" flipV="1">
+            <a:off x="9889903" y="3906982"/>
+            <a:ext cx="464305" cy="858984"/>
+          </a:xfrm>
+          <a:prstGeom prst="straightConnector1">
+            <a:avLst/>
+          </a:prstGeom>
+          <a:ln w="57150">
+            <a:solidFill>
+              <a:schemeClr val="tx1"/>
+            </a:solidFill>
+            <a:tailEnd type="triangle"/>
+          </a:ln>
+        </p:spPr>
+        <p:style>
+          <a:lnRef idx="1">
+            <a:schemeClr val="accent1"/>
+          </a:lnRef>
+          <a:fillRef idx="0">
+            <a:schemeClr val="accent1"/>
+          </a:fillRef>
+          <a:effectRef idx="0">
+            <a:schemeClr val="accent1"/>
+          </a:effectRef>
+          <a:fontRef idx="minor">
+            <a:schemeClr val="tx1"/>
+          </a:fontRef>
+        </p:style>
+      </p:cxnSp>
+      <p:sp>
+        <p:nvSpPr>
+          <p:cNvPr id="22" name="TextBox 21"/>
+          <p:cNvSpPr txBox="1"/>
+          <p:nvPr/>
+        </p:nvSpPr>
+        <p:spPr>
+          <a:xfrm>
+            <a:off x="10021690" y="4765966"/>
+            <a:ext cx="768865" cy="523220"/>
+          </a:xfrm>
+          <a:prstGeom prst="rect">
+            <a:avLst/>
+          </a:prstGeom>
+          <a:noFill/>
+        </p:spPr>
+        <p:txBody>
+          <a:bodyPr wrap="none" rtlCol="0">
+            <a:spAutoFit/>
+          </a:bodyPr>
+          <a:lstStyle/>
+          <a:p>
+            <a:r>
+              <a:rPr lang="en-MY" sz="2800" b="1" dirty="0" smtClean="0">
+                <a:latin typeface="Times New Roman" panose="02020603050405020304" pitchFamily="18" charset="0"/>
+                <a:cs typeface="Times New Roman" panose="02020603050405020304" pitchFamily="18" charset="0"/>
+              </a:rPr>
+              <a:t>Tail</a:t>
+            </a:r>
+            <a:endParaRPr lang="en-MY" sz="2800" b="1" dirty="0">
+              <a:latin typeface="Times New Roman" panose="02020603050405020304" pitchFamily="18" charset="0"/>
+              <a:cs typeface="Times New Roman" panose="02020603050405020304" pitchFamily="18" charset="0"/>
+            </a:endParaRPr>
+          </a:p>
+        </p:txBody>
+      </p:sp>
+      <p:cxnSp>
+        <p:nvCxnSpPr>
+          <p:cNvPr id="23" name="Straight Arrow Connector 22"/>
+          <p:cNvCxnSpPr/>
+          <p:nvPr/>
+        </p:nvCxnSpPr>
+        <p:spPr>
+          <a:xfrm flipV="1">
+            <a:off x="2091378" y="3906982"/>
+            <a:ext cx="374513" cy="858984"/>
+          </a:xfrm>
+          <a:prstGeom prst="straightConnector1">
+            <a:avLst/>
+          </a:prstGeom>
+          <a:ln w="57150">
+            <a:solidFill>
+              <a:schemeClr val="tx1"/>
+            </a:solidFill>
+            <a:tailEnd type="triangle"/>
+          </a:ln>
+        </p:spPr>
+        <p:style>
+          <a:lnRef idx="1">
+            <a:schemeClr val="accent1"/>
+          </a:lnRef>
+          <a:fillRef idx="0">
+            <a:schemeClr val="accent1"/>
+          </a:fillRef>
+          <a:effectRef idx="0">
+            <a:schemeClr val="accent1"/>
+          </a:effectRef>
+          <a:fontRef idx="minor">
+            <a:schemeClr val="tx1"/>
+          </a:fontRef>
+        </p:style>
+      </p:cxnSp>
+      <p:sp>
+        <p:nvSpPr>
+          <p:cNvPr id="24" name="TextBox 23"/>
+          <p:cNvSpPr txBox="1"/>
+          <p:nvPr/>
+        </p:nvSpPr>
+        <p:spPr>
+          <a:xfrm>
+            <a:off x="1590279" y="4765966"/>
+            <a:ext cx="1002197" cy="523220"/>
+          </a:xfrm>
+          <a:prstGeom prst="rect">
+            <a:avLst/>
+          </a:prstGeom>
+          <a:noFill/>
+        </p:spPr>
+        <p:txBody>
+          <a:bodyPr wrap="none" rtlCol="0">
+            <a:spAutoFit/>
+          </a:bodyPr>
+          <a:lstStyle/>
+          <a:p>
+            <a:r>
+              <a:rPr lang="en-MY" sz="2800" b="1" dirty="0" smtClean="0">
+                <a:latin typeface="Times New Roman" panose="02020603050405020304" pitchFamily="18" charset="0"/>
+                <a:cs typeface="Times New Roman" panose="02020603050405020304" pitchFamily="18" charset="0"/>
+              </a:rPr>
+              <a:t>Head</a:t>
+            </a:r>
+            <a:endParaRPr lang="en-MY" sz="2800" b="1" dirty="0">
+              <a:latin typeface="Times New Roman" panose="02020603050405020304" pitchFamily="18" charset="0"/>
+              <a:cs typeface="Times New Roman" panose="02020603050405020304" pitchFamily="18" charset="0"/>
+            </a:endParaRPr>
+          </a:p>
+        </p:txBody>
+      </p:sp>
+    </p:spTree>
+    <p:extLst>
+      <p:ext uri="{BB962C8B-B14F-4D97-AF65-F5344CB8AC3E}">
+        <p14:creationId xmlns:p14="http://schemas.microsoft.com/office/powerpoint/2010/main" val="2656284051"/>
+      </p:ext>
+    </p:extLst>
+  </p:cSld>
+  <p:clrMapOvr>
+    <a:masterClrMapping/>
+  </p:clrMapOvr>
+</p:sld>
+</file>
+
 <file path=ppt/theme/theme1.xml><?xml version="1.0" encoding="utf-8"?>
 <a:theme xmlns:a="http://schemas.openxmlformats.org/drawingml/2006/main" name="Office Theme">
   <a:themeElements>
